--- a/images/DavisLabLogo.pptx
+++ b/images/DavisLabLogo.pptx
@@ -3343,7 +3343,7 @@
         </p:blipFill>
         <p:spPr>
           <a:xfrm>
-            <a:off x="5077007" y="2777333"/>
+            <a:off x="1341030" y="3627289"/>
             <a:ext cx="636104" cy="636104"/>
           </a:xfrm>
           <a:prstGeom prst="rect">
@@ -3373,8 +3373,8 @@
         </p:blipFill>
         <p:spPr>
           <a:xfrm>
-            <a:off x="387626" y="1258957"/>
-            <a:ext cx="3810000" cy="3810000"/>
+            <a:off x="335375" y="238132"/>
+            <a:ext cx="1336671" cy="1433914"/>
           </a:xfrm>
           <a:prstGeom prst="rect">
             <a:avLst/>
@@ -3395,7 +3395,7 @@
         </p:nvSpPr>
         <p:spPr>
           <a:xfrm>
-            <a:off x="4837044" y="1927377"/>
+            <a:off x="1101067" y="2777333"/>
             <a:ext cx="3510898" cy="769441"/>
           </a:xfrm>
           <a:prstGeom prst="rect">
@@ -3440,7 +3440,7 @@
         </p:blipFill>
         <p:spPr>
           <a:xfrm>
-            <a:off x="7468560" y="2701626"/>
+            <a:off x="3732583" y="3551582"/>
             <a:ext cx="723065" cy="753878"/>
           </a:xfrm>
           <a:prstGeom prst="rect">
@@ -3466,7 +3466,7 @@
         </p:nvCxnSpPr>
         <p:spPr>
           <a:xfrm flipV="1">
-            <a:off x="5713111" y="2696818"/>
+            <a:off x="1977134" y="3546774"/>
             <a:ext cx="879382" cy="398567"/>
           </a:xfrm>
           <a:prstGeom prst="curvedConnector2">
@@ -3511,7 +3511,7 @@
         </p:nvCxnSpPr>
         <p:spPr>
           <a:xfrm rot="10800000">
-            <a:off x="6592494" y="2696819"/>
+            <a:off x="2856517" y="3546775"/>
             <a:ext cx="876067" cy="381747"/>
           </a:xfrm>
           <a:prstGeom prst="curvedConnector2">
@@ -3521,6 +3521,518 @@
             <a:solidFill>
               <a:schemeClr val="tx1"/>
             </a:solidFill>
+          </a:ln>
+        </p:spPr>
+        <p:style>
+          <a:lnRef idx="1">
+            <a:schemeClr val="dk1"/>
+          </a:lnRef>
+          <a:fillRef idx="0">
+            <a:schemeClr val="dk1"/>
+          </a:fillRef>
+          <a:effectRef idx="0">
+            <a:schemeClr val="dk1"/>
+          </a:effectRef>
+          <a:fontRef idx="minor">
+            <a:schemeClr val="tx1"/>
+          </a:fontRef>
+        </p:style>
+      </p:cxnSp>
+      <p:sp>
+        <p:nvSpPr>
+          <p:cNvPr id="31" name="TextBox 30">
+            <a:extLst>
+              <a:ext uri="{FF2B5EF4-FFF2-40B4-BE49-F238E27FC236}">
+                <a16:creationId xmlns:a16="http://schemas.microsoft.com/office/drawing/2014/main" id="{4F926354-BA3D-2348-AD19-B4167F9F7539}"/>
+              </a:ext>
+            </a:extLst>
+          </p:cNvPr>
+          <p:cNvSpPr txBox="1"/>
+          <p:nvPr/>
+        </p:nvSpPr>
+        <p:spPr>
+          <a:xfrm>
+            <a:off x="1101067" y="4283142"/>
+            <a:ext cx="3510898" cy="769441"/>
+          </a:xfrm>
+          <a:prstGeom prst="rect">
+            <a:avLst/>
+          </a:prstGeom>
+          <a:noFill/>
+        </p:spPr>
+        <p:txBody>
+          <a:bodyPr wrap="none" rtlCol="0">
+            <a:spAutoFit/>
+          </a:bodyPr>
+          <a:lstStyle/>
+          <a:p>
+            <a:r>
+              <a:rPr lang="en-US" sz="4400" dirty="0">
+                <a:latin typeface="Century Gothic" panose="020B0502020202020204" pitchFamily="34" charset="0"/>
+              </a:rPr>
+              <a:t>DUALITY LAB</a:t>
+            </a:r>
+          </a:p>
+        </p:txBody>
+      </p:sp>
+      <p:cxnSp>
+        <p:nvCxnSpPr>
+          <p:cNvPr id="32" name="Curved Connector 31">
+            <a:extLst>
+              <a:ext uri="{FF2B5EF4-FFF2-40B4-BE49-F238E27FC236}">
+                <a16:creationId xmlns:a16="http://schemas.microsoft.com/office/drawing/2014/main" id="{4895FA3E-345E-1246-999A-D96AC1E9432B}"/>
+              </a:ext>
+            </a:extLst>
+          </p:cNvPr>
+          <p:cNvCxnSpPr>
+            <a:cxnSpLocks/>
+            <a:stCxn id="5" idx="3"/>
+            <a:endCxn id="31" idx="0"/>
+          </p:cNvCxnSpPr>
+          <p:nvPr/>
+        </p:nvCxnSpPr>
+        <p:spPr>
+          <a:xfrm>
+            <a:off x="1977134" y="3945341"/>
+            <a:ext cx="879382" cy="337801"/>
+          </a:xfrm>
+          <a:prstGeom prst="curvedConnector2">
+            <a:avLst/>
+          </a:prstGeom>
+          <a:ln w="28575">
+            <a:solidFill>
+              <a:schemeClr val="tx1"/>
+            </a:solidFill>
+          </a:ln>
+        </p:spPr>
+        <p:style>
+          <a:lnRef idx="1">
+            <a:schemeClr val="dk1"/>
+          </a:lnRef>
+          <a:fillRef idx="0">
+            <a:schemeClr val="dk1"/>
+          </a:fillRef>
+          <a:effectRef idx="0">
+            <a:schemeClr val="dk1"/>
+          </a:effectRef>
+          <a:fontRef idx="minor">
+            <a:schemeClr val="tx1"/>
+          </a:fontRef>
+        </p:style>
+      </p:cxnSp>
+      <p:cxnSp>
+        <p:nvCxnSpPr>
+          <p:cNvPr id="35" name="Curved Connector 34">
+            <a:extLst>
+              <a:ext uri="{FF2B5EF4-FFF2-40B4-BE49-F238E27FC236}">
+                <a16:creationId xmlns:a16="http://schemas.microsoft.com/office/drawing/2014/main" id="{8E124ECC-7365-4841-AE6A-02959A06A24C}"/>
+              </a:ext>
+            </a:extLst>
+          </p:cNvPr>
+          <p:cNvCxnSpPr>
+            <a:cxnSpLocks/>
+            <a:stCxn id="10" idx="1"/>
+            <a:endCxn id="31" idx="0"/>
+          </p:cNvCxnSpPr>
+          <p:nvPr/>
+        </p:nvCxnSpPr>
+        <p:spPr>
+          <a:xfrm rot="10800000" flipV="1">
+            <a:off x="2856517" y="3928520"/>
+            <a:ext cx="876067" cy="354621"/>
+          </a:xfrm>
+          <a:prstGeom prst="curvedConnector2">
+            <a:avLst/>
+          </a:prstGeom>
+          <a:ln w="28575">
+            <a:solidFill>
+              <a:schemeClr val="tx1"/>
+            </a:solidFill>
+          </a:ln>
+        </p:spPr>
+        <p:style>
+          <a:lnRef idx="1">
+            <a:schemeClr val="dk1"/>
+          </a:lnRef>
+          <a:fillRef idx="0">
+            <a:schemeClr val="dk1"/>
+          </a:fillRef>
+          <a:effectRef idx="0">
+            <a:schemeClr val="dk1"/>
+          </a:effectRef>
+          <a:fontRef idx="minor">
+            <a:schemeClr val="tx1"/>
+          </a:fontRef>
+        </p:style>
+      </p:cxnSp>
+      <p:pic>
+        <p:nvPicPr>
+          <p:cNvPr id="38" name="Picture 37">
+            <a:extLst>
+              <a:ext uri="{FF2B5EF4-FFF2-40B4-BE49-F238E27FC236}">
+                <a16:creationId xmlns:a16="http://schemas.microsoft.com/office/drawing/2014/main" id="{A3C3A75E-9579-1C4C-9E38-32DDA59E5CB3}"/>
+              </a:ext>
+            </a:extLst>
+          </p:cNvPr>
+          <p:cNvPicPr>
+            <a:picLocks/>
+          </p:cNvPicPr>
+          <p:nvPr/>
+        </p:nvPicPr>
+        <p:blipFill>
+          <a:blip r:embed="rId2"/>
+          <a:stretch>
+            <a:fillRect/>
+          </a:stretch>
+        </p:blipFill>
+        <p:spPr>
+          <a:xfrm>
+            <a:off x="6103107" y="3607540"/>
+            <a:ext cx="636104" cy="636104"/>
+          </a:xfrm>
+          <a:prstGeom prst="rect">
+            <a:avLst/>
+          </a:prstGeom>
+        </p:spPr>
+      </p:pic>
+      <p:pic>
+        <p:nvPicPr>
+          <p:cNvPr id="40" name="Picture 39">
+            <a:extLst>
+              <a:ext uri="{FF2B5EF4-FFF2-40B4-BE49-F238E27FC236}">
+                <a16:creationId xmlns:a16="http://schemas.microsoft.com/office/drawing/2014/main" id="{FB7F3E5C-91A3-9E43-93DE-B212E8169305}"/>
+              </a:ext>
+            </a:extLst>
+          </p:cNvPr>
+          <p:cNvPicPr>
+            <a:picLocks/>
+          </p:cNvPicPr>
+          <p:nvPr/>
+        </p:nvPicPr>
+        <p:blipFill rotWithShape="1">
+          <a:blip r:embed="rId4"/>
+          <a:srcRect l="13548" r="19400"/>
+          <a:stretch/>
+        </p:blipFill>
+        <p:spPr>
+          <a:xfrm>
+            <a:off x="8361077" y="3531833"/>
+            <a:ext cx="484832" cy="753878"/>
+          </a:xfrm>
+          <a:prstGeom prst="rect">
+            <a:avLst/>
+          </a:prstGeom>
+        </p:spPr>
+      </p:pic>
+      <p:sp>
+        <p:nvSpPr>
+          <p:cNvPr id="43" name="TextBox 42">
+            <a:extLst>
+              <a:ext uri="{FF2B5EF4-FFF2-40B4-BE49-F238E27FC236}">
+                <a16:creationId xmlns:a16="http://schemas.microsoft.com/office/drawing/2014/main" id="{CC3A9706-50FD-7440-AD4A-ACCB7529D0D1}"/>
+              </a:ext>
+            </a:extLst>
+          </p:cNvPr>
+          <p:cNvSpPr txBox="1"/>
+          <p:nvPr/>
+        </p:nvSpPr>
+        <p:spPr>
+          <a:xfrm>
+            <a:off x="6964208" y="3590595"/>
+            <a:ext cx="1170513" cy="707886"/>
+          </a:xfrm>
+          <a:prstGeom prst="rect">
+            <a:avLst/>
+          </a:prstGeom>
+          <a:noFill/>
+        </p:spPr>
+        <p:txBody>
+          <a:bodyPr wrap="none" rtlCol="0">
+            <a:spAutoFit/>
+          </a:bodyPr>
+          <a:lstStyle/>
+          <a:p>
+            <a:pPr algn="ctr"/>
+            <a:r>
+              <a:rPr lang="en-US" sz="2000" dirty="0">
+                <a:latin typeface="Century Gothic" panose="020B0502020202020204" pitchFamily="34" charset="0"/>
+              </a:rPr>
+              <a:t>DUALITY</a:t>
+            </a:r>
+          </a:p>
+          <a:p>
+            <a:pPr algn="ctr"/>
+            <a:r>
+              <a:rPr lang="en-US" sz="2000" dirty="0">
+                <a:latin typeface="Century Gothic" panose="020B0502020202020204" pitchFamily="34" charset="0"/>
+              </a:rPr>
+              <a:t>LAB</a:t>
+            </a:r>
+          </a:p>
+        </p:txBody>
+      </p:sp>
+      <p:sp>
+        <p:nvSpPr>
+          <p:cNvPr id="51" name="Rectangle 50">
+            <a:extLst>
+              <a:ext uri="{FF2B5EF4-FFF2-40B4-BE49-F238E27FC236}">
+                <a16:creationId xmlns:a16="http://schemas.microsoft.com/office/drawing/2014/main" id="{0ABCDD17-3B20-F245-B49E-BD757230DF7A}"/>
+              </a:ext>
+            </a:extLst>
+          </p:cNvPr>
+          <p:cNvSpPr/>
+          <p:nvPr/>
+        </p:nvSpPr>
+        <p:spPr>
+          <a:xfrm>
+            <a:off x="6096000" y="3243832"/>
+            <a:ext cx="2909645" cy="45719"/>
+          </a:xfrm>
+          <a:prstGeom prst="rect">
+            <a:avLst/>
+          </a:prstGeom>
+          <a:noFill/>
+          <a:ln>
+            <a:solidFill>
+              <a:schemeClr val="bg1"/>
+            </a:solidFill>
+          </a:ln>
+        </p:spPr>
+        <p:style>
+          <a:lnRef idx="2">
+            <a:schemeClr val="accent1">
+              <a:shade val="50000"/>
+            </a:schemeClr>
+          </a:lnRef>
+          <a:fillRef idx="1">
+            <a:schemeClr val="accent1"/>
+          </a:fillRef>
+          <a:effectRef idx="0">
+            <a:schemeClr val="accent1"/>
+          </a:effectRef>
+          <a:fontRef idx="minor">
+            <a:schemeClr val="lt1"/>
+          </a:fontRef>
+        </p:style>
+        <p:txBody>
+          <a:bodyPr rtlCol="0" anchor="ctr"/>
+          <a:lstStyle/>
+          <a:p>
+            <a:pPr algn="ctr"/>
+            <a:endParaRPr lang="en-US"/>
+          </a:p>
+        </p:txBody>
+      </p:sp>
+      <p:sp>
+        <p:nvSpPr>
+          <p:cNvPr id="76" name="Rectangle 75">
+            <a:extLst>
+              <a:ext uri="{FF2B5EF4-FFF2-40B4-BE49-F238E27FC236}">
+                <a16:creationId xmlns:a16="http://schemas.microsoft.com/office/drawing/2014/main" id="{16F23521-2203-EC40-AE11-EDB20C264A83}"/>
+              </a:ext>
+            </a:extLst>
+          </p:cNvPr>
+          <p:cNvSpPr/>
+          <p:nvPr/>
+        </p:nvSpPr>
+        <p:spPr>
+          <a:xfrm>
+            <a:off x="6096000" y="4416380"/>
+            <a:ext cx="2909645" cy="45719"/>
+          </a:xfrm>
+          <a:prstGeom prst="rect">
+            <a:avLst/>
+          </a:prstGeom>
+          <a:noFill/>
+          <a:ln>
+            <a:solidFill>
+              <a:schemeClr val="bg1"/>
+            </a:solidFill>
+          </a:ln>
+        </p:spPr>
+        <p:style>
+          <a:lnRef idx="2">
+            <a:schemeClr val="accent1">
+              <a:shade val="50000"/>
+            </a:schemeClr>
+          </a:lnRef>
+          <a:fillRef idx="1">
+            <a:schemeClr val="accent1"/>
+          </a:fillRef>
+          <a:effectRef idx="0">
+            <a:schemeClr val="accent1"/>
+          </a:effectRef>
+          <a:fontRef idx="minor">
+            <a:schemeClr val="lt1"/>
+          </a:fontRef>
+        </p:style>
+        <p:txBody>
+          <a:bodyPr rtlCol="0" anchor="ctr"/>
+          <a:lstStyle/>
+          <a:p>
+            <a:pPr algn="ctr"/>
+            <a:endParaRPr lang="en-US"/>
+          </a:p>
+        </p:txBody>
+      </p:sp>
+      <p:cxnSp>
+        <p:nvCxnSpPr>
+          <p:cNvPr id="82" name="Straight Connector 81">
+            <a:extLst>
+              <a:ext uri="{FF2B5EF4-FFF2-40B4-BE49-F238E27FC236}">
+                <a16:creationId xmlns:a16="http://schemas.microsoft.com/office/drawing/2014/main" id="{1BD569D5-1C1F-434A-98D5-E66A99C5B337}"/>
+              </a:ext>
+            </a:extLst>
+          </p:cNvPr>
+          <p:cNvCxnSpPr>
+            <a:stCxn id="38" idx="3"/>
+            <a:endCxn id="51" idx="2"/>
+          </p:cNvCxnSpPr>
+          <p:nvPr/>
+        </p:nvCxnSpPr>
+        <p:spPr>
+          <a:xfrm flipV="1">
+            <a:off x="6739211" y="3289551"/>
+            <a:ext cx="811612" cy="636041"/>
+          </a:xfrm>
+          <a:prstGeom prst="line">
+            <a:avLst/>
+          </a:prstGeom>
+          <a:ln w="28575">
+            <a:headEnd type="oval" w="sm" len="sm"/>
+            <a:tailEnd type="oval" w="sm" len="sm"/>
+          </a:ln>
+        </p:spPr>
+        <p:style>
+          <a:lnRef idx="1">
+            <a:schemeClr val="dk1"/>
+          </a:lnRef>
+          <a:fillRef idx="0">
+            <a:schemeClr val="dk1"/>
+          </a:fillRef>
+          <a:effectRef idx="0">
+            <a:schemeClr val="dk1"/>
+          </a:effectRef>
+          <a:fontRef idx="minor">
+            <a:schemeClr val="tx1"/>
+          </a:fontRef>
+        </p:style>
+      </p:cxnSp>
+      <p:cxnSp>
+        <p:nvCxnSpPr>
+          <p:cNvPr id="83" name="Straight Connector 82">
+            <a:extLst>
+              <a:ext uri="{FF2B5EF4-FFF2-40B4-BE49-F238E27FC236}">
+                <a16:creationId xmlns:a16="http://schemas.microsoft.com/office/drawing/2014/main" id="{17E42DEF-EA87-3349-9B72-C45B759E1533}"/>
+              </a:ext>
+            </a:extLst>
+          </p:cNvPr>
+          <p:cNvCxnSpPr>
+            <a:cxnSpLocks/>
+            <a:stCxn id="38" idx="3"/>
+            <a:endCxn id="76" idx="0"/>
+          </p:cNvCxnSpPr>
+          <p:nvPr/>
+        </p:nvCxnSpPr>
+        <p:spPr>
+          <a:xfrm>
+            <a:off x="6739211" y="3925592"/>
+            <a:ext cx="811612" cy="493776"/>
+          </a:xfrm>
+          <a:prstGeom prst="line">
+            <a:avLst/>
+          </a:prstGeom>
+          <a:ln w="28575">
+            <a:headEnd type="oval" w="sm" len="sm"/>
+            <a:tailEnd type="oval" w="sm" len="sm"/>
+          </a:ln>
+        </p:spPr>
+        <p:style>
+          <a:lnRef idx="1">
+            <a:schemeClr val="dk1"/>
+          </a:lnRef>
+          <a:fillRef idx="0">
+            <a:schemeClr val="dk1"/>
+          </a:fillRef>
+          <a:effectRef idx="0">
+            <a:schemeClr val="dk1"/>
+          </a:effectRef>
+          <a:fontRef idx="minor">
+            <a:schemeClr val="tx1"/>
+          </a:fontRef>
+        </p:style>
+      </p:cxnSp>
+      <p:cxnSp>
+        <p:nvCxnSpPr>
+          <p:cNvPr id="86" name="Straight Connector 85">
+            <a:extLst>
+              <a:ext uri="{FF2B5EF4-FFF2-40B4-BE49-F238E27FC236}">
+                <a16:creationId xmlns:a16="http://schemas.microsoft.com/office/drawing/2014/main" id="{55350EDA-0CFD-CE48-9E1F-086AEA5825EB}"/>
+              </a:ext>
+            </a:extLst>
+          </p:cNvPr>
+          <p:cNvCxnSpPr>
+            <a:cxnSpLocks/>
+            <a:stCxn id="76" idx="0"/>
+            <a:endCxn id="40" idx="1"/>
+          </p:cNvCxnSpPr>
+          <p:nvPr/>
+        </p:nvCxnSpPr>
+        <p:spPr>
+          <a:xfrm flipV="1">
+            <a:off x="7550823" y="3908772"/>
+            <a:ext cx="810254" cy="507608"/>
+          </a:xfrm>
+          <a:prstGeom prst="line">
+            <a:avLst/>
+          </a:prstGeom>
+          <a:ln w="28575">
+            <a:headEnd type="oval" w="sm" len="sm"/>
+            <a:tailEnd type="oval" w="sm" len="sm"/>
+          </a:ln>
+        </p:spPr>
+        <p:style>
+          <a:lnRef idx="1">
+            <a:schemeClr val="dk1"/>
+          </a:lnRef>
+          <a:fillRef idx="0">
+            <a:schemeClr val="dk1"/>
+          </a:fillRef>
+          <a:effectRef idx="0">
+            <a:schemeClr val="dk1"/>
+          </a:effectRef>
+          <a:fontRef idx="minor">
+            <a:schemeClr val="tx1"/>
+          </a:fontRef>
+        </p:style>
+      </p:cxnSp>
+      <p:cxnSp>
+        <p:nvCxnSpPr>
+          <p:cNvPr id="87" name="Straight Connector 86">
+            <a:extLst>
+              <a:ext uri="{FF2B5EF4-FFF2-40B4-BE49-F238E27FC236}">
+                <a16:creationId xmlns:a16="http://schemas.microsoft.com/office/drawing/2014/main" id="{3F2E724D-AC8E-1242-AB79-FA876D6D146A}"/>
+              </a:ext>
+            </a:extLst>
+          </p:cNvPr>
+          <p:cNvCxnSpPr>
+            <a:cxnSpLocks/>
+            <a:stCxn id="40" idx="1"/>
+            <a:endCxn id="51" idx="2"/>
+          </p:cNvCxnSpPr>
+          <p:nvPr/>
+        </p:nvCxnSpPr>
+        <p:spPr>
+          <a:xfrm flipH="1" flipV="1">
+            <a:off x="7550823" y="3289551"/>
+            <a:ext cx="810254" cy="619221"/>
+          </a:xfrm>
+          <a:prstGeom prst="line">
+            <a:avLst/>
+          </a:prstGeom>
+          <a:ln w="28575">
+            <a:headEnd type="oval" w="sm" len="sm"/>
+            <a:tailEnd type="oval" w="sm" len="sm"/>
           </a:ln>
         </p:spPr>
         <p:style>
